--- a/logo.pptx
+++ b/logo.pptx
@@ -7,7 +7,9 @@
   <p:sldIdLst>
     <p:sldId id="256" r:id="rId2"/>
     <p:sldId id="258" r:id="rId3"/>
-    <p:sldId id="257" r:id="rId4"/>
+    <p:sldId id="259" r:id="rId4"/>
+    <p:sldId id="257" r:id="rId5"/>
+    <p:sldId id="260" r:id="rId6"/>
   </p:sldIdLst>
   <p:sldSz cx="12192000" cy="6858000"/>
   <p:notesSz cx="6858000" cy="9144000"/>
@@ -261,7 +263,7 @@
           <a:p>
             <a:fld id="{FC1D6CB0-7B1D-461F-89B1-F8646EF7369E}" type="datetimeFigureOut">
               <a:rPr lang="en-US" smtClean="0"/>
-              <a:t>11/27/2018</a:t>
+              <a:t>2/14/2019</a:t>
             </a:fld>
             <a:endParaRPr lang="en-US"/>
           </a:p>
@@ -459,7 +461,7 @@
           <a:p>
             <a:fld id="{FC1D6CB0-7B1D-461F-89B1-F8646EF7369E}" type="datetimeFigureOut">
               <a:rPr lang="en-US" smtClean="0"/>
-              <a:t>11/27/2018</a:t>
+              <a:t>2/14/2019</a:t>
             </a:fld>
             <a:endParaRPr lang="en-US"/>
           </a:p>
@@ -667,7 +669,7 @@
           <a:p>
             <a:fld id="{FC1D6CB0-7B1D-461F-89B1-F8646EF7369E}" type="datetimeFigureOut">
               <a:rPr lang="en-US" smtClean="0"/>
-              <a:t>11/27/2018</a:t>
+              <a:t>2/14/2019</a:t>
             </a:fld>
             <a:endParaRPr lang="en-US"/>
           </a:p>
@@ -865,7 +867,7 @@
           <a:p>
             <a:fld id="{FC1D6CB0-7B1D-461F-89B1-F8646EF7369E}" type="datetimeFigureOut">
               <a:rPr lang="en-US" smtClean="0"/>
-              <a:t>11/27/2018</a:t>
+              <a:t>2/14/2019</a:t>
             </a:fld>
             <a:endParaRPr lang="en-US"/>
           </a:p>
@@ -1140,7 +1142,7 @@
           <a:p>
             <a:fld id="{FC1D6CB0-7B1D-461F-89B1-F8646EF7369E}" type="datetimeFigureOut">
               <a:rPr lang="en-US" smtClean="0"/>
-              <a:t>11/27/2018</a:t>
+              <a:t>2/14/2019</a:t>
             </a:fld>
             <a:endParaRPr lang="en-US"/>
           </a:p>
@@ -1405,7 +1407,7 @@
           <a:p>
             <a:fld id="{FC1D6CB0-7B1D-461F-89B1-F8646EF7369E}" type="datetimeFigureOut">
               <a:rPr lang="en-US" smtClean="0"/>
-              <a:t>11/27/2018</a:t>
+              <a:t>2/14/2019</a:t>
             </a:fld>
             <a:endParaRPr lang="en-US"/>
           </a:p>
@@ -1817,7 +1819,7 @@
           <a:p>
             <a:fld id="{FC1D6CB0-7B1D-461F-89B1-F8646EF7369E}" type="datetimeFigureOut">
               <a:rPr lang="en-US" smtClean="0"/>
-              <a:t>11/27/2018</a:t>
+              <a:t>2/14/2019</a:t>
             </a:fld>
             <a:endParaRPr lang="en-US"/>
           </a:p>
@@ -1958,7 +1960,7 @@
           <a:p>
             <a:fld id="{FC1D6CB0-7B1D-461F-89B1-F8646EF7369E}" type="datetimeFigureOut">
               <a:rPr lang="en-US" smtClean="0"/>
-              <a:t>11/27/2018</a:t>
+              <a:t>2/14/2019</a:t>
             </a:fld>
             <a:endParaRPr lang="en-US"/>
           </a:p>
@@ -2071,7 +2073,7 @@
           <a:p>
             <a:fld id="{FC1D6CB0-7B1D-461F-89B1-F8646EF7369E}" type="datetimeFigureOut">
               <a:rPr lang="en-US" smtClean="0"/>
-              <a:t>11/27/2018</a:t>
+              <a:t>2/14/2019</a:t>
             </a:fld>
             <a:endParaRPr lang="en-US"/>
           </a:p>
@@ -2382,7 +2384,7 @@
           <a:p>
             <a:fld id="{FC1D6CB0-7B1D-461F-89B1-F8646EF7369E}" type="datetimeFigureOut">
               <a:rPr lang="en-US" smtClean="0"/>
-              <a:t>11/27/2018</a:t>
+              <a:t>2/14/2019</a:t>
             </a:fld>
             <a:endParaRPr lang="en-US"/>
           </a:p>
@@ -2670,7 +2672,7 @@
           <a:p>
             <a:fld id="{FC1D6CB0-7B1D-461F-89B1-F8646EF7369E}" type="datetimeFigureOut">
               <a:rPr lang="en-US" smtClean="0"/>
-              <a:t>11/27/2018</a:t>
+              <a:t>2/14/2019</a:t>
             </a:fld>
             <a:endParaRPr lang="en-US"/>
           </a:p>
@@ -2911,7 +2913,7 @@
           <a:p>
             <a:fld id="{FC1D6CB0-7B1D-461F-89B1-F8646EF7369E}" type="datetimeFigureOut">
               <a:rPr lang="en-US" smtClean="0"/>
-              <a:t>11/27/2018</a:t>
+              <a:t>2/14/2019</a:t>
             </a:fld>
             <a:endParaRPr lang="en-US"/>
           </a:p>
@@ -3842,6 +3844,276 @@
 <file path=ppt/slides/slide3.xml><?xml version="1.0" encoding="utf-8"?>
 <p:sld xmlns:a="http://schemas.openxmlformats.org/drawingml/2006/main" xmlns:r="http://schemas.openxmlformats.org/officeDocument/2006/relationships" xmlns:p="http://schemas.openxmlformats.org/presentationml/2006/main">
   <p:cSld>
+    <p:bg>
+      <p:bgPr>
+        <a:solidFill>
+          <a:schemeClr val="bg1">
+            <a:lumMod val="65000"/>
+          </a:schemeClr>
+        </a:solidFill>
+        <a:effectLst/>
+      </p:bgPr>
+    </p:bg>
+    <p:spTree>
+      <p:nvGrpSpPr>
+        <p:cNvPr id="1" name=""/>
+        <p:cNvGrpSpPr/>
+        <p:nvPr/>
+      </p:nvGrpSpPr>
+      <p:grpSpPr>
+        <a:xfrm>
+          <a:off x="0" y="0"/>
+          <a:ext cx="0" cy="0"/>
+          <a:chOff x="0" y="0"/>
+          <a:chExt cx="0" cy="0"/>
+        </a:xfrm>
+      </p:grpSpPr>
+      <p:sp>
+        <p:nvSpPr>
+          <p:cNvPr id="4" name="TextBox 3">
+            <a:extLst>
+              <a:ext uri="{FF2B5EF4-FFF2-40B4-BE49-F238E27FC236}">
+                <a16:creationId xmlns:a16="http://schemas.microsoft.com/office/drawing/2014/main" id="{ACE02255-E7F0-49F7-9491-548647EB8A75}"/>
+              </a:ext>
+            </a:extLst>
+          </p:cNvPr>
+          <p:cNvSpPr txBox="1"/>
+          <p:nvPr/>
+        </p:nvSpPr>
+        <p:spPr>
+          <a:xfrm>
+            <a:off x="2403567" y="1097280"/>
+            <a:ext cx="2317902" cy="1569660"/>
+          </a:xfrm>
+          <a:prstGeom prst="rect">
+            <a:avLst/>
+          </a:prstGeom>
+          <a:noFill/>
+        </p:spPr>
+        <p:txBody>
+          <a:bodyPr wrap="square" rtlCol="0">
+            <a:prstTxWarp prst="textArchUp">
+              <a:avLst/>
+            </a:prstTxWarp>
+            <a:spAutoFit/>
+          </a:bodyPr>
+          <a:lstStyle/>
+          <a:p>
+            <a:r>
+              <a:rPr lang="en-US" sz="9600" b="1" dirty="0">
+                <a:solidFill>
+                  <a:srgbClr val="ED6A5A"/>
+                </a:solidFill>
+                <a:effectLst>
+                  <a:outerShdw blurRad="50800" dist="38100" dir="5400000" algn="t" rotWithShape="0">
+                    <a:prstClr val="black">
+                      <a:alpha val="40000"/>
+                    </a:prstClr>
+                  </a:outerShdw>
+                </a:effectLst>
+                <a:latin typeface="Ubuntu" panose="020B0504030602030204" pitchFamily="34" charset="0"/>
+              </a:rPr>
+              <a:t>S</a:t>
+            </a:r>
+            <a:r>
+              <a:rPr lang="en-US" sz="9600" b="1" dirty="0">
+                <a:solidFill>
+                  <a:srgbClr val="2F6690"/>
+                </a:solidFill>
+                <a:effectLst>
+                  <a:outerShdw blurRad="50800" dist="38100" dir="5400000" algn="t" rotWithShape="0">
+                    <a:prstClr val="black">
+                      <a:alpha val="40000"/>
+                    </a:prstClr>
+                  </a:outerShdw>
+                </a:effectLst>
+                <a:latin typeface="Ubuntu" panose="020B0504030602030204" pitchFamily="34" charset="0"/>
+              </a:rPr>
+              <a:t>T</a:t>
+            </a:r>
+            <a:r>
+              <a:rPr lang="en-US" sz="9600" b="1" dirty="0">
+                <a:solidFill>
+                  <a:srgbClr val="5E033A"/>
+                </a:solidFill>
+                <a:effectLst>
+                  <a:outerShdw blurRad="50800" dist="38100" dir="5400000" algn="t" rotWithShape="0">
+                    <a:prstClr val="black">
+                      <a:alpha val="40000"/>
+                    </a:prstClr>
+                  </a:outerShdw>
+                </a:effectLst>
+                <a:latin typeface="Ubuntu" panose="020B0504030602030204" pitchFamily="34" charset="0"/>
+              </a:rPr>
+              <a:t>E</a:t>
+            </a:r>
+            <a:r>
+              <a:rPr lang="en-US" sz="9600" b="1" dirty="0">
+                <a:solidFill>
+                  <a:srgbClr val="4C878B"/>
+                </a:solidFill>
+                <a:effectLst>
+                  <a:outerShdw blurRad="50800" dist="38100" dir="5400000" algn="t" rotWithShape="0">
+                    <a:prstClr val="black">
+                      <a:alpha val="40000"/>
+                    </a:prstClr>
+                  </a:outerShdw>
+                </a:effectLst>
+                <a:latin typeface="Ubuntu" panose="020B0504030602030204" pitchFamily="34" charset="0"/>
+              </a:rPr>
+              <a:t>M</a:t>
+            </a:r>
+          </a:p>
+        </p:txBody>
+      </p:sp>
+      <p:sp>
+        <p:nvSpPr>
+          <p:cNvPr id="5" name="TextBox 4">
+            <a:extLst>
+              <a:ext uri="{FF2B5EF4-FFF2-40B4-BE49-F238E27FC236}">
+                <a16:creationId xmlns:a16="http://schemas.microsoft.com/office/drawing/2014/main" id="{8D1A0BB8-A2AA-44F8-B326-FF2D4288246C}"/>
+              </a:ext>
+            </a:extLst>
+          </p:cNvPr>
+          <p:cNvSpPr txBox="1"/>
+          <p:nvPr/>
+        </p:nvSpPr>
+        <p:spPr>
+          <a:xfrm>
+            <a:off x="2845044" y="1002702"/>
+            <a:ext cx="1876425" cy="2231380"/>
+          </a:xfrm>
+          <a:prstGeom prst="rect">
+            <a:avLst/>
+          </a:prstGeom>
+          <a:noFill/>
+        </p:spPr>
+        <p:txBody>
+          <a:bodyPr wrap="square" rtlCol="0">
+            <a:spAutoFit/>
+          </a:bodyPr>
+          <a:lstStyle/>
+          <a:p>
+            <a:r>
+              <a:rPr lang="en-US" sz="13900" dirty="0">
+                <a:solidFill>
+                  <a:srgbClr val="4A4A4A"/>
+                </a:solidFill>
+                <a:effectLst>
+                  <a:outerShdw blurRad="50800" dist="38100" dir="5400000" algn="t" rotWithShape="0">
+                    <a:prstClr val="black">
+                      <a:alpha val="40000"/>
+                    </a:prstClr>
+                  </a:outerShdw>
+                </a:effectLst>
+                <a:latin typeface="Ubuntu" panose="020B0504030602030204" pitchFamily="34" charset="0"/>
+              </a:rPr>
+              <a:t>&amp;</a:t>
+            </a:r>
+          </a:p>
+        </p:txBody>
+      </p:sp>
+      <p:sp>
+        <p:nvSpPr>
+          <p:cNvPr id="6" name="TextBox 5">
+            <a:extLst>
+              <a:ext uri="{FF2B5EF4-FFF2-40B4-BE49-F238E27FC236}">
+                <a16:creationId xmlns:a16="http://schemas.microsoft.com/office/drawing/2014/main" id="{D932CB10-321B-46E6-A001-9D561241CBFA}"/>
+              </a:ext>
+            </a:extLst>
+          </p:cNvPr>
+          <p:cNvSpPr txBox="1"/>
+          <p:nvPr/>
+        </p:nvSpPr>
+        <p:spPr>
+          <a:xfrm>
+            <a:off x="2164514" y="2118392"/>
+            <a:ext cx="2796008" cy="1569660"/>
+          </a:xfrm>
+          <a:prstGeom prst="rect">
+            <a:avLst/>
+          </a:prstGeom>
+          <a:noFill/>
+        </p:spPr>
+        <p:txBody>
+          <a:bodyPr wrap="square" rtlCol="0">
+            <a:prstTxWarp prst="textArchDown">
+              <a:avLst/>
+            </a:prstTxWarp>
+            <a:spAutoFit/>
+          </a:bodyPr>
+          <a:lstStyle/>
+          <a:p>
+            <a:r>
+              <a:rPr lang="en-US" sz="9600" b="1" dirty="0">
+                <a:solidFill>
+                  <a:srgbClr val="4A4A4A"/>
+                </a:solidFill>
+                <a:effectLst>
+                  <a:outerShdw blurRad="50800" dist="38100" dir="5400000" algn="t" rotWithShape="0">
+                    <a:prstClr val="black">
+                      <a:alpha val="40000"/>
+                    </a:prstClr>
+                  </a:outerShdw>
+                </a:effectLst>
+                <a:latin typeface="Ubuntu" panose="020B0504030602030204" pitchFamily="34" charset="0"/>
+              </a:rPr>
+              <a:t> Buds </a:t>
+            </a:r>
+          </a:p>
+        </p:txBody>
+      </p:sp>
+      <p:pic>
+        <p:nvPicPr>
+          <p:cNvPr id="7" name="Picture 6">
+            <a:extLst>
+              <a:ext uri="{FF2B5EF4-FFF2-40B4-BE49-F238E27FC236}">
+                <a16:creationId xmlns:a16="http://schemas.microsoft.com/office/drawing/2014/main" id="{383794F7-7F60-4B1E-BF79-E39F9190EBEE}"/>
+              </a:ext>
+            </a:extLst>
+          </p:cNvPr>
+          <p:cNvPicPr>
+            <a:picLocks noChangeAspect="1"/>
+          </p:cNvPicPr>
+          <p:nvPr/>
+        </p:nvPicPr>
+        <p:blipFill rotWithShape="1">
+          <a:blip r:embed="rId2">
+            <a:extLst>
+              <a:ext uri="{28A0092B-C50C-407E-A947-70E740481C1C}">
+                <a14:useLocalDpi xmlns:a14="http://schemas.microsoft.com/office/drawing/2010/main" val="0"/>
+              </a:ext>
+            </a:extLst>
+          </a:blip>
+          <a:srcRect l="-6466" t="-5516" r="-6383" b="-1942"/>
+          <a:stretch/>
+        </p:blipFill>
+        <p:spPr>
+          <a:xfrm>
+            <a:off x="6012611" y="1535502"/>
+            <a:ext cx="3907765" cy="4166558"/>
+          </a:xfrm>
+          <a:prstGeom prst="rect">
+            <a:avLst/>
+          </a:prstGeom>
+        </p:spPr>
+      </p:pic>
+    </p:spTree>
+    <p:extLst>
+      <p:ext uri="{BB962C8B-B14F-4D97-AF65-F5344CB8AC3E}">
+        <p14:creationId xmlns:p14="http://schemas.microsoft.com/office/powerpoint/2010/main" val="1715257900"/>
+      </p:ext>
+    </p:extLst>
+  </p:cSld>
+  <p:clrMapOvr>
+    <a:masterClrMapping/>
+  </p:clrMapOvr>
+</p:sld>
+</file>
+
+<file path=ppt/slides/slide4.xml><?xml version="1.0" encoding="utf-8"?>
+<p:sld xmlns:a="http://schemas.openxmlformats.org/drawingml/2006/main" xmlns:r="http://schemas.openxmlformats.org/officeDocument/2006/relationships" xmlns:p="http://schemas.openxmlformats.org/presentationml/2006/main">
+  <p:cSld>
     <p:spTree>
       <p:nvGrpSpPr>
         <p:cNvPr id="1" name=""/>
@@ -4115,6 +4387,106 @@
     <p:extLst>
       <p:ext uri="{BB962C8B-B14F-4D97-AF65-F5344CB8AC3E}">
         <p14:creationId xmlns:p14="http://schemas.microsoft.com/office/powerpoint/2010/main" val="1287534166"/>
+      </p:ext>
+    </p:extLst>
+  </p:cSld>
+  <p:clrMapOvr>
+    <a:masterClrMapping/>
+  </p:clrMapOvr>
+</p:sld>
+</file>
+
+<file path=ppt/slides/slide5.xml><?xml version="1.0" encoding="utf-8"?>
+<p:sld xmlns:a="http://schemas.openxmlformats.org/drawingml/2006/main" xmlns:r="http://schemas.openxmlformats.org/officeDocument/2006/relationships" xmlns:p="http://schemas.openxmlformats.org/presentationml/2006/main">
+  <p:cSld>
+    <p:spTree>
+      <p:nvGrpSpPr>
+        <p:cNvPr id="1" name=""/>
+        <p:cNvGrpSpPr/>
+        <p:nvPr/>
+      </p:nvGrpSpPr>
+      <p:grpSpPr>
+        <a:xfrm>
+          <a:off x="0" y="0"/>
+          <a:ext cx="0" cy="0"/>
+          <a:chOff x="0" y="0"/>
+          <a:chExt cx="0" cy="0"/>
+        </a:xfrm>
+      </p:grpSpPr>
+      <p:pic>
+        <p:nvPicPr>
+          <p:cNvPr id="8" name="Picture 7">
+            <a:extLst>
+              <a:ext uri="{FF2B5EF4-FFF2-40B4-BE49-F238E27FC236}">
+                <a16:creationId xmlns:a16="http://schemas.microsoft.com/office/drawing/2014/main" id="{8A550B2A-7929-4A2D-A001-7AE77CAD1D14}"/>
+              </a:ext>
+            </a:extLst>
+          </p:cNvPr>
+          <p:cNvPicPr>
+            <a:picLocks noChangeAspect="1"/>
+          </p:cNvPicPr>
+          <p:nvPr/>
+        </p:nvPicPr>
+        <p:blipFill rotWithShape="1">
+          <a:blip r:embed="rId2">
+            <a:extLst>
+              <a:ext uri="{28A0092B-C50C-407E-A947-70E740481C1C}">
+                <a14:useLocalDpi xmlns:a14="http://schemas.microsoft.com/office/drawing/2010/main" val="0"/>
+              </a:ext>
+            </a:extLst>
+          </a:blip>
+          <a:srcRect l="842" t="611" r="-278" b="17242"/>
+          <a:stretch/>
+        </p:blipFill>
+        <p:spPr>
+          <a:xfrm>
+            <a:off x="440379" y="967774"/>
+            <a:ext cx="3657600" cy="3657600"/>
+          </a:xfrm>
+          <a:prstGeom prst="ellipse">
+            <a:avLst/>
+          </a:prstGeom>
+        </p:spPr>
+      </p:pic>
+      <p:pic>
+        <p:nvPicPr>
+          <p:cNvPr id="10" name="Picture 9">
+            <a:extLst>
+              <a:ext uri="{FF2B5EF4-FFF2-40B4-BE49-F238E27FC236}">
+                <a16:creationId xmlns:a16="http://schemas.microsoft.com/office/drawing/2014/main" id="{B9AAE60E-C898-422D-9B70-F74AF15C2130}"/>
+              </a:ext>
+            </a:extLst>
+          </p:cNvPr>
+          <p:cNvPicPr>
+            <a:picLocks noChangeAspect="1"/>
+          </p:cNvPicPr>
+          <p:nvPr/>
+        </p:nvPicPr>
+        <p:blipFill rotWithShape="1">
+          <a:blip r:embed="rId3">
+            <a:extLst>
+              <a:ext uri="{28A0092B-C50C-407E-A947-70E740481C1C}">
+                <a14:useLocalDpi xmlns:a14="http://schemas.microsoft.com/office/drawing/2010/main" val="0"/>
+              </a:ext>
+            </a:extLst>
+          </a:blip>
+          <a:srcRect l="10717" t="-1" r="42144" b="29308"/>
+          <a:stretch/>
+        </p:blipFill>
+        <p:spPr>
+          <a:xfrm>
+            <a:off x="4544768" y="1528263"/>
+            <a:ext cx="3657600" cy="3657600"/>
+          </a:xfrm>
+          <a:prstGeom prst="ellipse">
+            <a:avLst/>
+          </a:prstGeom>
+        </p:spPr>
+      </p:pic>
+    </p:spTree>
+    <p:extLst>
+      <p:ext uri="{BB962C8B-B14F-4D97-AF65-F5344CB8AC3E}">
+        <p14:creationId xmlns:p14="http://schemas.microsoft.com/office/powerpoint/2010/main" val="3810959850"/>
       </p:ext>
     </p:extLst>
   </p:cSld>

--- a/logo.pptx
+++ b/logo.pptx
@@ -263,7 +263,7 @@
           <a:p>
             <a:fld id="{FC1D6CB0-7B1D-461F-89B1-F8646EF7369E}" type="datetimeFigureOut">
               <a:rPr lang="en-US" smtClean="0"/>
-              <a:t>2/14/2019</a:t>
+              <a:t>3/2/2019</a:t>
             </a:fld>
             <a:endParaRPr lang="en-US"/>
           </a:p>
@@ -461,7 +461,7 @@
           <a:p>
             <a:fld id="{FC1D6CB0-7B1D-461F-89B1-F8646EF7369E}" type="datetimeFigureOut">
               <a:rPr lang="en-US" smtClean="0"/>
-              <a:t>2/14/2019</a:t>
+              <a:t>3/2/2019</a:t>
             </a:fld>
             <a:endParaRPr lang="en-US"/>
           </a:p>
@@ -669,7 +669,7 @@
           <a:p>
             <a:fld id="{FC1D6CB0-7B1D-461F-89B1-F8646EF7369E}" type="datetimeFigureOut">
               <a:rPr lang="en-US" smtClean="0"/>
-              <a:t>2/14/2019</a:t>
+              <a:t>3/2/2019</a:t>
             </a:fld>
             <a:endParaRPr lang="en-US"/>
           </a:p>
@@ -867,7 +867,7 @@
           <a:p>
             <a:fld id="{FC1D6CB0-7B1D-461F-89B1-F8646EF7369E}" type="datetimeFigureOut">
               <a:rPr lang="en-US" smtClean="0"/>
-              <a:t>2/14/2019</a:t>
+              <a:t>3/2/2019</a:t>
             </a:fld>
             <a:endParaRPr lang="en-US"/>
           </a:p>
@@ -1142,7 +1142,7 @@
           <a:p>
             <a:fld id="{FC1D6CB0-7B1D-461F-89B1-F8646EF7369E}" type="datetimeFigureOut">
               <a:rPr lang="en-US" smtClean="0"/>
-              <a:t>2/14/2019</a:t>
+              <a:t>3/2/2019</a:t>
             </a:fld>
             <a:endParaRPr lang="en-US"/>
           </a:p>
@@ -1407,7 +1407,7 @@
           <a:p>
             <a:fld id="{FC1D6CB0-7B1D-461F-89B1-F8646EF7369E}" type="datetimeFigureOut">
               <a:rPr lang="en-US" smtClean="0"/>
-              <a:t>2/14/2019</a:t>
+              <a:t>3/2/2019</a:t>
             </a:fld>
             <a:endParaRPr lang="en-US"/>
           </a:p>
@@ -1819,7 +1819,7 @@
           <a:p>
             <a:fld id="{FC1D6CB0-7B1D-461F-89B1-F8646EF7369E}" type="datetimeFigureOut">
               <a:rPr lang="en-US" smtClean="0"/>
-              <a:t>2/14/2019</a:t>
+              <a:t>3/2/2019</a:t>
             </a:fld>
             <a:endParaRPr lang="en-US"/>
           </a:p>
@@ -1960,7 +1960,7 @@
           <a:p>
             <a:fld id="{FC1D6CB0-7B1D-461F-89B1-F8646EF7369E}" type="datetimeFigureOut">
               <a:rPr lang="en-US" smtClean="0"/>
-              <a:t>2/14/2019</a:t>
+              <a:t>3/2/2019</a:t>
             </a:fld>
             <a:endParaRPr lang="en-US"/>
           </a:p>
@@ -2073,7 +2073,7 @@
           <a:p>
             <a:fld id="{FC1D6CB0-7B1D-461F-89B1-F8646EF7369E}" type="datetimeFigureOut">
               <a:rPr lang="en-US" smtClean="0"/>
-              <a:t>2/14/2019</a:t>
+              <a:t>3/2/2019</a:t>
             </a:fld>
             <a:endParaRPr lang="en-US"/>
           </a:p>
@@ -2384,7 +2384,7 @@
           <a:p>
             <a:fld id="{FC1D6CB0-7B1D-461F-89B1-F8646EF7369E}" type="datetimeFigureOut">
               <a:rPr lang="en-US" smtClean="0"/>
-              <a:t>2/14/2019</a:t>
+              <a:t>3/2/2019</a:t>
             </a:fld>
             <a:endParaRPr lang="en-US"/>
           </a:p>
@@ -2672,7 +2672,7 @@
           <a:p>
             <a:fld id="{FC1D6CB0-7B1D-461F-89B1-F8646EF7369E}" type="datetimeFigureOut">
               <a:rPr lang="en-US" smtClean="0"/>
-              <a:t>2/14/2019</a:t>
+              <a:t>3/2/2019</a:t>
             </a:fld>
             <a:endParaRPr lang="en-US"/>
           </a:p>
@@ -2913,7 +2913,7 @@
           <a:p>
             <a:fld id="{FC1D6CB0-7B1D-461F-89B1-F8646EF7369E}" type="datetimeFigureOut">
               <a:rPr lang="en-US" smtClean="0"/>
-              <a:t>2/14/2019</a:t>
+              <a:t>3/2/2019</a:t>
             </a:fld>
             <a:endParaRPr lang="en-US"/>
           </a:p>
@@ -4483,6 +4483,41 @@
           </a:prstGeom>
         </p:spPr>
       </p:pic>
+      <p:pic>
+        <p:nvPicPr>
+          <p:cNvPr id="4" name="Picture 3">
+            <a:extLst>
+              <a:ext uri="{FF2B5EF4-FFF2-40B4-BE49-F238E27FC236}">
+                <a16:creationId xmlns:a16="http://schemas.microsoft.com/office/drawing/2014/main" id="{70EE73EB-90F2-436E-8F96-72E370EA987A}"/>
+              </a:ext>
+            </a:extLst>
+          </p:cNvPr>
+          <p:cNvPicPr>
+            <a:picLocks noChangeAspect="1"/>
+          </p:cNvPicPr>
+          <p:nvPr/>
+        </p:nvPicPr>
+        <p:blipFill rotWithShape="1">
+          <a:blip r:embed="rId4">
+            <a:extLst>
+              <a:ext uri="{28A0092B-C50C-407E-A947-70E740481C1C}">
+                <a14:useLocalDpi xmlns:a14="http://schemas.microsoft.com/office/drawing/2010/main" val="0"/>
+              </a:ext>
+            </a:extLst>
+          </a:blip>
+          <a:srcRect l="-314" t="11512" r="5077" b="17060"/>
+          <a:stretch/>
+        </p:blipFill>
+        <p:spPr>
+          <a:xfrm>
+            <a:off x="8312727" y="1528263"/>
+            <a:ext cx="3657600" cy="3657600"/>
+          </a:xfrm>
+          <a:prstGeom prst="ellipse">
+            <a:avLst/>
+          </a:prstGeom>
+        </p:spPr>
+      </p:pic>
     </p:spTree>
     <p:extLst>
       <p:ext uri="{BB962C8B-B14F-4D97-AF65-F5344CB8AC3E}">
